--- a/Livro.pptx
+++ b/Livro.pptx
@@ -13385,6 +13385,70 @@
           </a:p>
         </p:txBody>
       </p:sp>
+      <p:sp>
+        <p:nvSpPr>
+          <p:cNvPr id="4" name="CaixaDeTexto 3"/>
+          <p:cNvSpPr txBox="1"/>
+          <p:nvPr/>
+        </p:nvSpPr>
+        <p:spPr>
+          <a:xfrm>
+            <a:off x="8246533" y="1800731"/>
+            <a:ext cx="872067" cy="369332"/>
+          </a:xfrm>
+          <a:prstGeom prst="rect">
+            <a:avLst/>
+          </a:prstGeom>
+          <a:noFill/>
+        </p:spPr>
+        <p:txBody>
+          <a:bodyPr wrap="square" rtlCol="0">
+            <a:spAutoFit/>
+          </a:bodyPr>
+          <a:lstStyle/>
+          <a:p>
+            <a:r>
+              <a:rPr lang="pt-BR" dirty="0" smtClean="0">
+                <a:hlinkClick r:id="rId3" action="ppaction://hlinkfile"/>
+              </a:rPr>
+              <a:t>CAP2</a:t>
+            </a:r>
+            <a:endParaRPr lang="pt-BR" dirty="0"/>
+          </a:p>
+        </p:txBody>
+      </p:sp>
+      <p:sp>
+        <p:nvSpPr>
+          <p:cNvPr id="6" name="CaixaDeTexto 5"/>
+          <p:cNvSpPr txBox="1"/>
+          <p:nvPr/>
+        </p:nvSpPr>
+        <p:spPr>
+          <a:xfrm>
+            <a:off x="8246533" y="2379133"/>
+            <a:ext cx="829733" cy="369332"/>
+          </a:xfrm>
+          <a:prstGeom prst="rect">
+            <a:avLst/>
+          </a:prstGeom>
+          <a:noFill/>
+        </p:spPr>
+        <p:txBody>
+          <a:bodyPr wrap="square" rtlCol="0">
+            <a:spAutoFit/>
+          </a:bodyPr>
+          <a:lstStyle/>
+          <a:p>
+            <a:r>
+              <a:rPr lang="pt-BR" dirty="0" smtClean="0">
+                <a:hlinkClick r:id="rId4" action="ppaction://hlinkfile"/>
+              </a:rPr>
+              <a:t>CAP3</a:t>
+            </a:r>
+            <a:endParaRPr lang="pt-BR" dirty="0"/>
+          </a:p>
+        </p:txBody>
+      </p:sp>
     </p:spTree>
     <p:extLst>
       <p:ext uri="{BB962C8B-B14F-4D97-AF65-F5344CB8AC3E}">
